--- a/blabla/Rendu/Projet Booker it2 - V1.pptx
+++ b/blabla/Rendu/Projet Booker it2 - V1.pptx
@@ -7,16 +7,14 @@
   <p:sldIdLst>
     <p:sldId id="256" r:id="rId2"/>
     <p:sldId id="266" r:id="rId3"/>
-    <p:sldId id="267" r:id="rId4"/>
-    <p:sldId id="265" r:id="rId5"/>
-    <p:sldId id="268" r:id="rId6"/>
-    <p:sldId id="269" r:id="rId7"/>
-    <p:sldId id="270" r:id="rId8"/>
-    <p:sldId id="271" r:id="rId9"/>
-    <p:sldId id="272" r:id="rId10"/>
-    <p:sldId id="273" r:id="rId11"/>
-    <p:sldId id="274" r:id="rId12"/>
-    <p:sldId id="275" r:id="rId13"/>
+    <p:sldId id="268" r:id="rId4"/>
+    <p:sldId id="269" r:id="rId5"/>
+    <p:sldId id="270" r:id="rId6"/>
+    <p:sldId id="271" r:id="rId7"/>
+    <p:sldId id="272" r:id="rId8"/>
+    <p:sldId id="273" r:id="rId9"/>
+    <p:sldId id="274" r:id="rId10"/>
+    <p:sldId id="275" r:id="rId11"/>
   </p:sldIdLst>
   <p:sldSz cx="12192000" cy="6858000"/>
   <p:notesSz cx="6858000" cy="9144000"/>
@@ -3917,204 +3915,6 @@
           <a:p>
             <a:pPr algn="ctr"/>
             <a:r>
-              <a:rPr lang="fr-FR" dirty="0"/>
-              <a:t>Maquettes </a:t>
-            </a:r>
-            <a:r>
-              <a:rPr lang="fr-FR" dirty="0" smtClean="0"/>
-              <a:t>et site</a:t>
-            </a:r>
-            <a:endParaRPr lang="fr-FR" dirty="0"/>
-          </a:p>
-        </p:txBody>
-      </p:sp>
-      <p:pic>
-        <p:nvPicPr>
-          <p:cNvPr id="3074" name="Picture 2" descr="https://raw.githubusercontent.com/congiohj/Mew-Project/master/blabla/Images/Screenshots/Inscription_groupe.png"/>
-          <p:cNvPicPr>
-            <a:picLocks noGrp="1" noChangeAspect="1" noChangeArrowheads="1"/>
-          </p:cNvPicPr>
-          <p:nvPr>
-            <p:ph idx="1"/>
-          </p:nvPr>
-        </p:nvPicPr>
-        <p:blipFill>
-          <a:blip r:embed="rId2">
-            <a:extLst>
-              <a:ext uri="{28A0092B-C50C-407E-A947-70E740481C1C}">
-                <a14:useLocalDpi xmlns:a14="http://schemas.microsoft.com/office/drawing/2010/main" val="0"/>
-              </a:ext>
-            </a:extLst>
-          </a:blip>
-          <a:srcRect/>
-          <a:stretch>
-            <a:fillRect/>
-          </a:stretch>
-        </p:blipFill>
-        <p:spPr bwMode="auto">
-          <a:xfrm>
-            <a:off x="1859825" y="1846263"/>
-            <a:ext cx="8532675" cy="4022725"/>
-          </a:xfrm>
-          <a:prstGeom prst="rect">
-            <a:avLst/>
-          </a:prstGeom>
-          <a:noFill/>
-          <a:extLst>
-            <a:ext uri="{909E8E84-426E-40DD-AFC4-6F175D3DCCD1}">
-              <a14:hiddenFill xmlns:a14="http://schemas.microsoft.com/office/drawing/2010/main">
-                <a:solidFill>
-                  <a:srgbClr val="FFFFFF"/>
-                </a:solidFill>
-              </a14:hiddenFill>
-            </a:ext>
-          </a:extLst>
-        </p:spPr>
-      </p:pic>
-    </p:spTree>
-    <p:extLst>
-      <p:ext uri="{BB962C8B-B14F-4D97-AF65-F5344CB8AC3E}">
-        <p14:creationId xmlns:p14="http://schemas.microsoft.com/office/powerpoint/2010/main" val="816700898"/>
-      </p:ext>
-    </p:extLst>
-  </p:cSld>
-  <p:clrMapOvr>
-    <a:masterClrMapping/>
-  </p:clrMapOvr>
-</p:sld>
-</file>
-
-<file path=ppt/slides/slide11.xml><?xml version="1.0" encoding="utf-8"?>
-<p:sld xmlns:a="http://schemas.openxmlformats.org/drawingml/2006/main" xmlns:r="http://schemas.openxmlformats.org/officeDocument/2006/relationships" xmlns:p="http://schemas.openxmlformats.org/presentationml/2006/main">
-  <p:cSld>
-    <p:spTree>
-      <p:nvGrpSpPr>
-        <p:cNvPr id="1" name=""/>
-        <p:cNvGrpSpPr/>
-        <p:nvPr/>
-      </p:nvGrpSpPr>
-      <p:grpSpPr>
-        <a:xfrm>
-          <a:off x="0" y="0"/>
-          <a:ext cx="0" cy="0"/>
-          <a:chOff x="0" y="0"/>
-          <a:chExt cx="0" cy="0"/>
-        </a:xfrm>
-      </p:grpSpPr>
-      <p:sp>
-        <p:nvSpPr>
-          <p:cNvPr id="2" name="Titre 1"/>
-          <p:cNvSpPr>
-            <a:spLocks noGrp="1"/>
-          </p:cNvSpPr>
-          <p:nvPr>
-            <p:ph type="title"/>
-          </p:nvPr>
-        </p:nvSpPr>
-        <p:spPr/>
-        <p:txBody>
-          <a:bodyPr/>
-          <a:lstStyle/>
-          <a:p>
-            <a:pPr algn="ctr"/>
-            <a:r>
-              <a:rPr lang="fr-FR" dirty="0" smtClean="0"/>
-              <a:t>Base de Donnée</a:t>
-            </a:r>
-            <a:endParaRPr lang="fr-FR" dirty="0"/>
-          </a:p>
-        </p:txBody>
-      </p:sp>
-      <p:pic>
-        <p:nvPicPr>
-          <p:cNvPr id="6146" name="Picture 2" descr="http://puu.sh/luVZy/cfc1e1d202.png"/>
-          <p:cNvPicPr>
-            <a:picLocks noGrp="1" noChangeAspect="1" noChangeArrowheads="1"/>
-          </p:cNvPicPr>
-          <p:nvPr>
-            <p:ph idx="1"/>
-          </p:nvPr>
-        </p:nvPicPr>
-        <p:blipFill>
-          <a:blip r:embed="rId2">
-            <a:extLst>
-              <a:ext uri="{28A0092B-C50C-407E-A947-70E740481C1C}">
-                <a14:useLocalDpi xmlns:a14="http://schemas.microsoft.com/office/drawing/2010/main" val="0"/>
-              </a:ext>
-            </a:extLst>
-          </a:blip>
-          <a:srcRect/>
-          <a:stretch>
-            <a:fillRect/>
-          </a:stretch>
-        </p:blipFill>
-        <p:spPr bwMode="auto">
-          <a:xfrm>
-            <a:off x="2343903" y="1803263"/>
-            <a:ext cx="7995638" cy="4482208"/>
-          </a:xfrm>
-          <a:prstGeom prst="rect">
-            <a:avLst/>
-          </a:prstGeom>
-          <a:noFill/>
-          <a:extLst>
-            <a:ext uri="{909E8E84-426E-40DD-AFC4-6F175D3DCCD1}">
-              <a14:hiddenFill xmlns:a14="http://schemas.microsoft.com/office/drawing/2010/main">
-                <a:solidFill>
-                  <a:srgbClr val="FFFFFF"/>
-                </a:solidFill>
-              </a14:hiddenFill>
-            </a:ext>
-          </a:extLst>
-        </p:spPr>
-      </p:pic>
-    </p:spTree>
-    <p:extLst>
-      <p:ext uri="{BB962C8B-B14F-4D97-AF65-F5344CB8AC3E}">
-        <p14:creationId xmlns:p14="http://schemas.microsoft.com/office/powerpoint/2010/main" val="2625766826"/>
-      </p:ext>
-    </p:extLst>
-  </p:cSld>
-  <p:clrMapOvr>
-    <a:masterClrMapping/>
-  </p:clrMapOvr>
-</p:sld>
-</file>
-
-<file path=ppt/slides/slide12.xml><?xml version="1.0" encoding="utf-8"?>
-<p:sld xmlns:a="http://schemas.openxmlformats.org/drawingml/2006/main" xmlns:r="http://schemas.openxmlformats.org/officeDocument/2006/relationships" xmlns:p="http://schemas.openxmlformats.org/presentationml/2006/main">
-  <p:cSld>
-    <p:spTree>
-      <p:nvGrpSpPr>
-        <p:cNvPr id="1" name=""/>
-        <p:cNvGrpSpPr/>
-        <p:nvPr/>
-      </p:nvGrpSpPr>
-      <p:grpSpPr>
-        <a:xfrm>
-          <a:off x="0" y="0"/>
-          <a:ext cx="0" cy="0"/>
-          <a:chOff x="0" y="0"/>
-          <a:chExt cx="0" cy="0"/>
-        </a:xfrm>
-      </p:grpSpPr>
-      <p:sp>
-        <p:nvSpPr>
-          <p:cNvPr id="2" name="Titre 1"/>
-          <p:cNvSpPr>
-            <a:spLocks noGrp="1"/>
-          </p:cNvSpPr>
-          <p:nvPr>
-            <p:ph type="title"/>
-          </p:nvPr>
-        </p:nvSpPr>
-        <p:spPr/>
-        <p:txBody>
-          <a:bodyPr/>
-          <a:lstStyle/>
-          <a:p>
-            <a:pPr algn="ctr"/>
-            <a:r>
               <a:rPr lang="fr-FR" dirty="0" smtClean="0"/>
               <a:t>Base de Donnée</a:t>
             </a:r>
@@ -4277,7 +4077,15 @@
             <a:pPr algn="just"/>
             <a:r>
               <a:rPr lang="fr-FR" dirty="0" smtClean="0"/>
-              <a:t>I – Introduction, contexte, analyse fonctionnelle</a:t>
+              <a:t>I – Introduction, </a:t>
+            </a:r>
+            <a:r>
+              <a:rPr lang="fr-FR" dirty="0" smtClean="0"/>
+              <a:t>contexte et </a:t>
+            </a:r>
+            <a:r>
+              <a:rPr lang="fr-FR" dirty="0" smtClean="0"/>
+              <a:t>analyse fonctionnelle</a:t>
             </a:r>
           </a:p>
           <a:p>
@@ -4382,167 +4190,11 @@
             <a:pPr algn="ctr"/>
             <a:r>
               <a:rPr lang="fr-FR" dirty="0" smtClean="0"/>
-              <a:t>Introduction</a:t>
-            </a:r>
-            <a:endParaRPr lang="fr-FR" dirty="0"/>
-          </a:p>
-        </p:txBody>
-      </p:sp>
-      <p:sp>
-        <p:nvSpPr>
-          <p:cNvPr id="3" name="Espace réservé du contenu 2"/>
-          <p:cNvSpPr>
-            <a:spLocks noGrp="1"/>
-          </p:cNvSpPr>
-          <p:nvPr>
-            <p:ph idx="1"/>
-          </p:nvPr>
-        </p:nvSpPr>
-        <p:spPr/>
-        <p:txBody>
-          <a:bodyPr/>
-          <a:lstStyle/>
-          <a:p>
-            <a:endParaRPr lang="fr-FR" dirty="0"/>
-          </a:p>
-        </p:txBody>
-      </p:sp>
-    </p:spTree>
-    <p:extLst>
-      <p:ext uri="{BB962C8B-B14F-4D97-AF65-F5344CB8AC3E}">
-        <p14:creationId xmlns:p14="http://schemas.microsoft.com/office/powerpoint/2010/main" val="4083877402"/>
-      </p:ext>
-    </p:extLst>
-  </p:cSld>
-  <p:clrMapOvr>
-    <a:masterClrMapping/>
-  </p:clrMapOvr>
-  <p:timing>
-    <p:tnLst>
-      <p:par>
-        <p:cTn id="1" dur="indefinite" restart="never" nodeType="tmRoot"/>
-      </p:par>
-    </p:tnLst>
-  </p:timing>
-</p:sld>
-</file>
-
-<file path=ppt/slides/slide4.xml><?xml version="1.0" encoding="utf-8"?>
-<p:sld xmlns:a="http://schemas.openxmlformats.org/drawingml/2006/main" xmlns:r="http://schemas.openxmlformats.org/officeDocument/2006/relationships" xmlns:p="http://schemas.openxmlformats.org/presentationml/2006/main">
-  <p:cSld>
-    <p:spTree>
-      <p:nvGrpSpPr>
-        <p:cNvPr id="1" name=""/>
-        <p:cNvGrpSpPr/>
-        <p:nvPr/>
-      </p:nvGrpSpPr>
-      <p:grpSpPr>
-        <a:xfrm>
-          <a:off x="0" y="0"/>
-          <a:ext cx="0" cy="0"/>
-          <a:chOff x="0" y="0"/>
-          <a:chExt cx="0" cy="0"/>
-        </a:xfrm>
-      </p:grpSpPr>
-      <p:sp>
-        <p:nvSpPr>
-          <p:cNvPr id="2" name="Titre 1"/>
-          <p:cNvSpPr>
-            <a:spLocks noGrp="1"/>
-          </p:cNvSpPr>
-          <p:nvPr>
-            <p:ph type="title"/>
-          </p:nvPr>
-        </p:nvSpPr>
-        <p:spPr/>
-        <p:txBody>
-          <a:bodyPr/>
-          <a:lstStyle/>
-          <a:p>
-            <a:pPr algn="ctr"/>
+              <a:t>Contexte et Analyse </a:t>
+            </a:r>
             <a:r>
               <a:rPr lang="fr-FR" dirty="0" smtClean="0"/>
-              <a:t>Contexte</a:t>
-            </a:r>
-            <a:endParaRPr lang="fr-FR" dirty="0"/>
-          </a:p>
-        </p:txBody>
-      </p:sp>
-      <p:sp>
-        <p:nvSpPr>
-          <p:cNvPr id="3" name="Espace réservé du contenu 2"/>
-          <p:cNvSpPr>
-            <a:spLocks noGrp="1"/>
-          </p:cNvSpPr>
-          <p:nvPr>
-            <p:ph idx="1"/>
-          </p:nvPr>
-        </p:nvSpPr>
-        <p:spPr/>
-        <p:txBody>
-          <a:bodyPr/>
-          <a:lstStyle/>
-          <a:p>
-            <a:endParaRPr lang="fr-FR"/>
-          </a:p>
-        </p:txBody>
-      </p:sp>
-    </p:spTree>
-    <p:extLst>
-      <p:ext uri="{BB962C8B-B14F-4D97-AF65-F5344CB8AC3E}">
-        <p14:creationId xmlns:p14="http://schemas.microsoft.com/office/powerpoint/2010/main" val="927039040"/>
-      </p:ext>
-    </p:extLst>
-  </p:cSld>
-  <p:clrMapOvr>
-    <a:masterClrMapping/>
-  </p:clrMapOvr>
-  <p:timing>
-    <p:tnLst>
-      <p:par>
-        <p:cTn id="1" dur="indefinite" restart="never" nodeType="tmRoot"/>
-      </p:par>
-    </p:tnLst>
-  </p:timing>
-</p:sld>
-</file>
-
-<file path=ppt/slides/slide5.xml><?xml version="1.0" encoding="utf-8"?>
-<p:sld xmlns:a="http://schemas.openxmlformats.org/drawingml/2006/main" xmlns:r="http://schemas.openxmlformats.org/officeDocument/2006/relationships" xmlns:p="http://schemas.openxmlformats.org/presentationml/2006/main">
-  <p:cSld>
-    <p:spTree>
-      <p:nvGrpSpPr>
-        <p:cNvPr id="1" name=""/>
-        <p:cNvGrpSpPr/>
-        <p:nvPr/>
-      </p:nvGrpSpPr>
-      <p:grpSpPr>
-        <a:xfrm>
-          <a:off x="0" y="0"/>
-          <a:ext cx="0" cy="0"/>
-          <a:chOff x="0" y="0"/>
-          <a:chExt cx="0" cy="0"/>
-        </a:xfrm>
-      </p:grpSpPr>
-      <p:sp>
-        <p:nvSpPr>
-          <p:cNvPr id="2" name="Titre 1"/>
-          <p:cNvSpPr>
-            <a:spLocks noGrp="1"/>
-          </p:cNvSpPr>
-          <p:nvPr>
-            <p:ph type="title"/>
-          </p:nvPr>
-        </p:nvSpPr>
-        <p:spPr/>
-        <p:txBody>
-          <a:bodyPr/>
-          <a:lstStyle/>
-          <a:p>
-            <a:pPr algn="ctr"/>
-            <a:r>
-              <a:rPr lang="fr-FR" dirty="0" smtClean="0"/>
-              <a:t>Analyse fonctionnelle</a:t>
+              <a:t>fonctionnelle</a:t>
             </a:r>
             <a:endParaRPr lang="fr-FR" dirty="0"/>
           </a:p>
@@ -4632,7 +4284,7 @@
 </p:sld>
 </file>
 
-<file path=ppt/slides/slide6.xml><?xml version="1.0" encoding="utf-8"?>
+<file path=ppt/slides/slide4.xml><?xml version="1.0" encoding="utf-8"?>
 <p:sld xmlns:a="http://schemas.openxmlformats.org/drawingml/2006/main" xmlns:r="http://schemas.openxmlformats.org/officeDocument/2006/relationships" xmlns:p="http://schemas.openxmlformats.org/presentationml/2006/main">
   <p:cSld>
     <p:spTree>
@@ -4736,7 +4388,7 @@
 </p:sld>
 </file>
 
-<file path=ppt/slides/slide7.xml><?xml version="1.0" encoding="utf-8"?>
+<file path=ppt/slides/slide5.xml><?xml version="1.0" encoding="utf-8"?>
 <p:sld xmlns:a="http://schemas.openxmlformats.org/drawingml/2006/main" xmlns:r="http://schemas.openxmlformats.org/officeDocument/2006/relationships" xmlns:p="http://schemas.openxmlformats.org/presentationml/2006/main">
   <p:cSld>
     <p:spTree>
@@ -4837,7 +4489,7 @@
 </p:sld>
 </file>
 
-<file path=ppt/slides/slide8.xml><?xml version="1.0" encoding="utf-8"?>
+<file path=ppt/slides/slide6.xml><?xml version="1.0" encoding="utf-8"?>
 <p:sld xmlns:a="http://schemas.openxmlformats.org/drawingml/2006/main" xmlns:r="http://schemas.openxmlformats.org/officeDocument/2006/relationships" xmlns:p="http://schemas.openxmlformats.org/presentationml/2006/main">
   <p:cSld>
     <p:spTree>
@@ -4938,7 +4590,7 @@
 </p:sld>
 </file>
 
-<file path=ppt/slides/slide9.xml><?xml version="1.0" encoding="utf-8"?>
+<file path=ppt/slides/slide7.xml><?xml version="1.0" encoding="utf-8"?>
 <p:sld xmlns:a="http://schemas.openxmlformats.org/drawingml/2006/main" xmlns:r="http://schemas.openxmlformats.org/officeDocument/2006/relationships" xmlns:p="http://schemas.openxmlformats.org/presentationml/2006/main">
   <p:cSld>
     <p:spTree>
@@ -5030,6 +4682,204 @@
     <p:extLst>
       <p:ext uri="{BB962C8B-B14F-4D97-AF65-F5344CB8AC3E}">
         <p14:creationId xmlns:p14="http://schemas.microsoft.com/office/powerpoint/2010/main" val="875030020"/>
+      </p:ext>
+    </p:extLst>
+  </p:cSld>
+  <p:clrMapOvr>
+    <a:masterClrMapping/>
+  </p:clrMapOvr>
+</p:sld>
+</file>
+
+<file path=ppt/slides/slide8.xml><?xml version="1.0" encoding="utf-8"?>
+<p:sld xmlns:a="http://schemas.openxmlformats.org/drawingml/2006/main" xmlns:r="http://schemas.openxmlformats.org/officeDocument/2006/relationships" xmlns:p="http://schemas.openxmlformats.org/presentationml/2006/main">
+  <p:cSld>
+    <p:spTree>
+      <p:nvGrpSpPr>
+        <p:cNvPr id="1" name=""/>
+        <p:cNvGrpSpPr/>
+        <p:nvPr/>
+      </p:nvGrpSpPr>
+      <p:grpSpPr>
+        <a:xfrm>
+          <a:off x="0" y="0"/>
+          <a:ext cx="0" cy="0"/>
+          <a:chOff x="0" y="0"/>
+          <a:chExt cx="0" cy="0"/>
+        </a:xfrm>
+      </p:grpSpPr>
+      <p:sp>
+        <p:nvSpPr>
+          <p:cNvPr id="2" name="Titre 1"/>
+          <p:cNvSpPr>
+            <a:spLocks noGrp="1"/>
+          </p:cNvSpPr>
+          <p:nvPr>
+            <p:ph type="title"/>
+          </p:nvPr>
+        </p:nvSpPr>
+        <p:spPr/>
+        <p:txBody>
+          <a:bodyPr/>
+          <a:lstStyle/>
+          <a:p>
+            <a:pPr algn="ctr"/>
+            <a:r>
+              <a:rPr lang="fr-FR" dirty="0"/>
+              <a:t>Maquettes </a:t>
+            </a:r>
+            <a:r>
+              <a:rPr lang="fr-FR" dirty="0" smtClean="0"/>
+              <a:t>et site</a:t>
+            </a:r>
+            <a:endParaRPr lang="fr-FR" dirty="0"/>
+          </a:p>
+        </p:txBody>
+      </p:sp>
+      <p:pic>
+        <p:nvPicPr>
+          <p:cNvPr id="3074" name="Picture 2" descr="https://raw.githubusercontent.com/congiohj/Mew-Project/master/blabla/Images/Screenshots/Inscription_groupe.png"/>
+          <p:cNvPicPr>
+            <a:picLocks noGrp="1" noChangeAspect="1" noChangeArrowheads="1"/>
+          </p:cNvPicPr>
+          <p:nvPr>
+            <p:ph idx="1"/>
+          </p:nvPr>
+        </p:nvPicPr>
+        <p:blipFill>
+          <a:blip r:embed="rId2">
+            <a:extLst>
+              <a:ext uri="{28A0092B-C50C-407E-A947-70E740481C1C}">
+                <a14:useLocalDpi xmlns:a14="http://schemas.microsoft.com/office/drawing/2010/main" val="0"/>
+              </a:ext>
+            </a:extLst>
+          </a:blip>
+          <a:srcRect/>
+          <a:stretch>
+            <a:fillRect/>
+          </a:stretch>
+        </p:blipFill>
+        <p:spPr bwMode="auto">
+          <a:xfrm>
+            <a:off x="1859825" y="1846263"/>
+            <a:ext cx="8532675" cy="4022725"/>
+          </a:xfrm>
+          <a:prstGeom prst="rect">
+            <a:avLst/>
+          </a:prstGeom>
+          <a:noFill/>
+          <a:extLst>
+            <a:ext uri="{909E8E84-426E-40DD-AFC4-6F175D3DCCD1}">
+              <a14:hiddenFill xmlns:a14="http://schemas.microsoft.com/office/drawing/2010/main">
+                <a:solidFill>
+                  <a:srgbClr val="FFFFFF"/>
+                </a:solidFill>
+              </a14:hiddenFill>
+            </a:ext>
+          </a:extLst>
+        </p:spPr>
+      </p:pic>
+    </p:spTree>
+    <p:extLst>
+      <p:ext uri="{BB962C8B-B14F-4D97-AF65-F5344CB8AC3E}">
+        <p14:creationId xmlns:p14="http://schemas.microsoft.com/office/powerpoint/2010/main" val="816700898"/>
+      </p:ext>
+    </p:extLst>
+  </p:cSld>
+  <p:clrMapOvr>
+    <a:masterClrMapping/>
+  </p:clrMapOvr>
+</p:sld>
+</file>
+
+<file path=ppt/slides/slide9.xml><?xml version="1.0" encoding="utf-8"?>
+<p:sld xmlns:a="http://schemas.openxmlformats.org/drawingml/2006/main" xmlns:r="http://schemas.openxmlformats.org/officeDocument/2006/relationships" xmlns:p="http://schemas.openxmlformats.org/presentationml/2006/main">
+  <p:cSld>
+    <p:spTree>
+      <p:nvGrpSpPr>
+        <p:cNvPr id="1" name=""/>
+        <p:cNvGrpSpPr/>
+        <p:nvPr/>
+      </p:nvGrpSpPr>
+      <p:grpSpPr>
+        <a:xfrm>
+          <a:off x="0" y="0"/>
+          <a:ext cx="0" cy="0"/>
+          <a:chOff x="0" y="0"/>
+          <a:chExt cx="0" cy="0"/>
+        </a:xfrm>
+      </p:grpSpPr>
+      <p:sp>
+        <p:nvSpPr>
+          <p:cNvPr id="2" name="Titre 1"/>
+          <p:cNvSpPr>
+            <a:spLocks noGrp="1"/>
+          </p:cNvSpPr>
+          <p:nvPr>
+            <p:ph type="title"/>
+          </p:nvPr>
+        </p:nvSpPr>
+        <p:spPr/>
+        <p:txBody>
+          <a:bodyPr/>
+          <a:lstStyle/>
+          <a:p>
+            <a:pPr algn="ctr"/>
+            <a:r>
+              <a:rPr lang="fr-FR" dirty="0" smtClean="0"/>
+              <a:t>Base de Donnée</a:t>
+            </a:r>
+            <a:endParaRPr lang="fr-FR" dirty="0"/>
+          </a:p>
+        </p:txBody>
+      </p:sp>
+      <p:pic>
+        <p:nvPicPr>
+          <p:cNvPr id="6146" name="Picture 2" descr="http://puu.sh/luVZy/cfc1e1d202.png"/>
+          <p:cNvPicPr>
+            <a:picLocks noGrp="1" noChangeAspect="1" noChangeArrowheads="1"/>
+          </p:cNvPicPr>
+          <p:nvPr>
+            <p:ph idx="1"/>
+          </p:nvPr>
+        </p:nvPicPr>
+        <p:blipFill>
+          <a:blip r:embed="rId2">
+            <a:extLst>
+              <a:ext uri="{28A0092B-C50C-407E-A947-70E740481C1C}">
+                <a14:useLocalDpi xmlns:a14="http://schemas.microsoft.com/office/drawing/2010/main" val="0"/>
+              </a:ext>
+            </a:extLst>
+          </a:blip>
+          <a:srcRect/>
+          <a:stretch>
+            <a:fillRect/>
+          </a:stretch>
+        </p:blipFill>
+        <p:spPr bwMode="auto">
+          <a:xfrm>
+            <a:off x="2343903" y="1803263"/>
+            <a:ext cx="7995638" cy="4482208"/>
+          </a:xfrm>
+          <a:prstGeom prst="rect">
+            <a:avLst/>
+          </a:prstGeom>
+          <a:noFill/>
+          <a:extLst>
+            <a:ext uri="{909E8E84-426E-40DD-AFC4-6F175D3DCCD1}">
+              <a14:hiddenFill xmlns:a14="http://schemas.microsoft.com/office/drawing/2010/main">
+                <a:solidFill>
+                  <a:srgbClr val="FFFFFF"/>
+                </a:solidFill>
+              </a14:hiddenFill>
+            </a:ext>
+          </a:extLst>
+        </p:spPr>
+      </p:pic>
+    </p:spTree>
+    <p:extLst>
+      <p:ext uri="{BB962C8B-B14F-4D97-AF65-F5344CB8AC3E}">
+        <p14:creationId xmlns:p14="http://schemas.microsoft.com/office/powerpoint/2010/main" val="2625766826"/>
       </p:ext>
     </p:extLst>
   </p:cSld>

--- a/blabla/Rendu/Projet Booker it2 - V1.pptx
+++ b/blabla/Rendu/Projet Booker it2 - V1.pptx
@@ -7,14 +7,16 @@
   <p:sldIdLst>
     <p:sldId id="256" r:id="rId2"/>
     <p:sldId id="266" r:id="rId3"/>
-    <p:sldId id="268" r:id="rId4"/>
-    <p:sldId id="269" r:id="rId5"/>
-    <p:sldId id="270" r:id="rId6"/>
-    <p:sldId id="271" r:id="rId7"/>
-    <p:sldId id="272" r:id="rId8"/>
-    <p:sldId id="273" r:id="rId9"/>
-    <p:sldId id="274" r:id="rId10"/>
-    <p:sldId id="275" r:id="rId11"/>
+    <p:sldId id="278" r:id="rId4"/>
+    <p:sldId id="277" r:id="rId5"/>
+    <p:sldId id="276" r:id="rId6"/>
+    <p:sldId id="269" r:id="rId7"/>
+    <p:sldId id="270" r:id="rId8"/>
+    <p:sldId id="271" r:id="rId9"/>
+    <p:sldId id="272" r:id="rId10"/>
+    <p:sldId id="273" r:id="rId11"/>
+    <p:sldId id="274" r:id="rId12"/>
+    <p:sldId id="275" r:id="rId13"/>
   </p:sldIdLst>
   <p:sldSz cx="12192000" cy="6858000"/>
   <p:notesSz cx="6858000" cy="9144000"/>
@@ -3915,6 +3917,204 @@
           <a:p>
             <a:pPr algn="ctr"/>
             <a:r>
+              <a:rPr lang="fr-FR" dirty="0"/>
+              <a:t>Maquettes </a:t>
+            </a:r>
+            <a:r>
+              <a:rPr lang="fr-FR" dirty="0" smtClean="0"/>
+              <a:t>et site</a:t>
+            </a:r>
+            <a:endParaRPr lang="fr-FR" dirty="0"/>
+          </a:p>
+        </p:txBody>
+      </p:sp>
+      <p:pic>
+        <p:nvPicPr>
+          <p:cNvPr id="3074" name="Picture 2" descr="https://raw.githubusercontent.com/congiohj/Mew-Project/master/blabla/Images/Screenshots/Inscription_groupe.png"/>
+          <p:cNvPicPr>
+            <a:picLocks noGrp="1" noChangeAspect="1" noChangeArrowheads="1"/>
+          </p:cNvPicPr>
+          <p:nvPr>
+            <p:ph idx="1"/>
+          </p:nvPr>
+        </p:nvPicPr>
+        <p:blipFill>
+          <a:blip r:embed="rId2">
+            <a:extLst>
+              <a:ext uri="{28A0092B-C50C-407E-A947-70E740481C1C}">
+                <a14:useLocalDpi xmlns:a14="http://schemas.microsoft.com/office/drawing/2010/main" val="0"/>
+              </a:ext>
+            </a:extLst>
+          </a:blip>
+          <a:srcRect/>
+          <a:stretch>
+            <a:fillRect/>
+          </a:stretch>
+        </p:blipFill>
+        <p:spPr bwMode="auto">
+          <a:xfrm>
+            <a:off x="1859825" y="1846263"/>
+            <a:ext cx="8532675" cy="4022725"/>
+          </a:xfrm>
+          <a:prstGeom prst="rect">
+            <a:avLst/>
+          </a:prstGeom>
+          <a:noFill/>
+          <a:extLst>
+            <a:ext uri="{909E8E84-426E-40DD-AFC4-6F175D3DCCD1}">
+              <a14:hiddenFill xmlns:a14="http://schemas.microsoft.com/office/drawing/2010/main">
+                <a:solidFill>
+                  <a:srgbClr val="FFFFFF"/>
+                </a:solidFill>
+              </a14:hiddenFill>
+            </a:ext>
+          </a:extLst>
+        </p:spPr>
+      </p:pic>
+    </p:spTree>
+    <p:extLst>
+      <p:ext uri="{BB962C8B-B14F-4D97-AF65-F5344CB8AC3E}">
+        <p14:creationId xmlns:p14="http://schemas.microsoft.com/office/powerpoint/2010/main" val="816700898"/>
+      </p:ext>
+    </p:extLst>
+  </p:cSld>
+  <p:clrMapOvr>
+    <a:masterClrMapping/>
+  </p:clrMapOvr>
+</p:sld>
+</file>
+
+<file path=ppt/slides/slide11.xml><?xml version="1.0" encoding="utf-8"?>
+<p:sld xmlns:a="http://schemas.openxmlformats.org/drawingml/2006/main" xmlns:r="http://schemas.openxmlformats.org/officeDocument/2006/relationships" xmlns:p="http://schemas.openxmlformats.org/presentationml/2006/main">
+  <p:cSld>
+    <p:spTree>
+      <p:nvGrpSpPr>
+        <p:cNvPr id="1" name=""/>
+        <p:cNvGrpSpPr/>
+        <p:nvPr/>
+      </p:nvGrpSpPr>
+      <p:grpSpPr>
+        <a:xfrm>
+          <a:off x="0" y="0"/>
+          <a:ext cx="0" cy="0"/>
+          <a:chOff x="0" y="0"/>
+          <a:chExt cx="0" cy="0"/>
+        </a:xfrm>
+      </p:grpSpPr>
+      <p:sp>
+        <p:nvSpPr>
+          <p:cNvPr id="2" name="Titre 1"/>
+          <p:cNvSpPr>
+            <a:spLocks noGrp="1"/>
+          </p:cNvSpPr>
+          <p:nvPr>
+            <p:ph type="title"/>
+          </p:nvPr>
+        </p:nvSpPr>
+        <p:spPr/>
+        <p:txBody>
+          <a:bodyPr/>
+          <a:lstStyle/>
+          <a:p>
+            <a:pPr algn="ctr"/>
+            <a:r>
+              <a:rPr lang="fr-FR" dirty="0" smtClean="0"/>
+              <a:t>Base de Donnée</a:t>
+            </a:r>
+            <a:endParaRPr lang="fr-FR" dirty="0"/>
+          </a:p>
+        </p:txBody>
+      </p:sp>
+      <p:pic>
+        <p:nvPicPr>
+          <p:cNvPr id="6146" name="Picture 2" descr="http://puu.sh/luVZy/cfc1e1d202.png"/>
+          <p:cNvPicPr>
+            <a:picLocks noGrp="1" noChangeAspect="1" noChangeArrowheads="1"/>
+          </p:cNvPicPr>
+          <p:nvPr>
+            <p:ph idx="1"/>
+          </p:nvPr>
+        </p:nvPicPr>
+        <p:blipFill>
+          <a:blip r:embed="rId2">
+            <a:extLst>
+              <a:ext uri="{28A0092B-C50C-407E-A947-70E740481C1C}">
+                <a14:useLocalDpi xmlns:a14="http://schemas.microsoft.com/office/drawing/2010/main" val="0"/>
+              </a:ext>
+            </a:extLst>
+          </a:blip>
+          <a:srcRect/>
+          <a:stretch>
+            <a:fillRect/>
+          </a:stretch>
+        </p:blipFill>
+        <p:spPr bwMode="auto">
+          <a:xfrm>
+            <a:off x="2343903" y="1803263"/>
+            <a:ext cx="7995638" cy="4482208"/>
+          </a:xfrm>
+          <a:prstGeom prst="rect">
+            <a:avLst/>
+          </a:prstGeom>
+          <a:noFill/>
+          <a:extLst>
+            <a:ext uri="{909E8E84-426E-40DD-AFC4-6F175D3DCCD1}">
+              <a14:hiddenFill xmlns:a14="http://schemas.microsoft.com/office/drawing/2010/main">
+                <a:solidFill>
+                  <a:srgbClr val="FFFFFF"/>
+                </a:solidFill>
+              </a14:hiddenFill>
+            </a:ext>
+          </a:extLst>
+        </p:spPr>
+      </p:pic>
+    </p:spTree>
+    <p:extLst>
+      <p:ext uri="{BB962C8B-B14F-4D97-AF65-F5344CB8AC3E}">
+        <p14:creationId xmlns:p14="http://schemas.microsoft.com/office/powerpoint/2010/main" val="2625766826"/>
+      </p:ext>
+    </p:extLst>
+  </p:cSld>
+  <p:clrMapOvr>
+    <a:masterClrMapping/>
+  </p:clrMapOvr>
+</p:sld>
+</file>
+
+<file path=ppt/slides/slide12.xml><?xml version="1.0" encoding="utf-8"?>
+<p:sld xmlns:a="http://schemas.openxmlformats.org/drawingml/2006/main" xmlns:r="http://schemas.openxmlformats.org/officeDocument/2006/relationships" xmlns:p="http://schemas.openxmlformats.org/presentationml/2006/main">
+  <p:cSld>
+    <p:spTree>
+      <p:nvGrpSpPr>
+        <p:cNvPr id="1" name=""/>
+        <p:cNvGrpSpPr/>
+        <p:nvPr/>
+      </p:nvGrpSpPr>
+      <p:grpSpPr>
+        <a:xfrm>
+          <a:off x="0" y="0"/>
+          <a:ext cx="0" cy="0"/>
+          <a:chOff x="0" y="0"/>
+          <a:chExt cx="0" cy="0"/>
+        </a:xfrm>
+      </p:grpSpPr>
+      <p:sp>
+        <p:nvSpPr>
+          <p:cNvPr id="2" name="Titre 1"/>
+          <p:cNvSpPr>
+            <a:spLocks noGrp="1"/>
+          </p:cNvSpPr>
+          <p:nvPr>
+            <p:ph type="title"/>
+          </p:nvPr>
+        </p:nvSpPr>
+        <p:spPr/>
+        <p:txBody>
+          <a:bodyPr/>
+          <a:lstStyle/>
+          <a:p>
+            <a:pPr algn="ctr"/>
+            <a:r>
               <a:rPr lang="fr-FR" dirty="0" smtClean="0"/>
               <a:t>Base de Donnée</a:t>
             </a:r>
@@ -4190,11 +4390,7 @@
             <a:pPr algn="ctr"/>
             <a:r>
               <a:rPr lang="fr-FR" dirty="0" smtClean="0"/>
-              <a:t>Contexte et Analyse </a:t>
-            </a:r>
-            <a:r>
-              <a:rPr lang="fr-FR" dirty="0" smtClean="0"/>
-              <a:t>fonctionnelle</a:t>
+              <a:t>Contexte</a:t>
             </a:r>
             <a:endParaRPr lang="fr-FR" dirty="0"/>
           </a:p>
@@ -4202,7 +4398,7 @@
       </p:sp>
       <p:sp>
         <p:nvSpPr>
-          <p:cNvPr id="5" name="Espace réservé du contenu 2"/>
+          <p:cNvPr id="3" name="Espace réservé du contenu 2"/>
           <p:cNvSpPr>
             <a:spLocks noGrp="1"/>
           </p:cNvSpPr>
@@ -4210,81 +4406,518 @@
             <p:ph idx="1"/>
           </p:nvPr>
         </p:nvSpPr>
-        <p:spPr>
-          <a:xfrm>
-            <a:off x="2652584" y="1845734"/>
-            <a:ext cx="8503095" cy="4023360"/>
-          </a:xfrm>
-        </p:spPr>
-        <p:txBody>
-          <a:bodyPr/>
-          <a:lstStyle/>
-          <a:p>
-            <a:pPr algn="just"/>
-            <a:endParaRPr lang="fr-FR" dirty="0" smtClean="0"/>
-          </a:p>
-          <a:p>
-            <a:pPr algn="just"/>
-            <a:endParaRPr lang="fr-FR" dirty="0" smtClean="0"/>
-          </a:p>
-          <a:p>
-            <a:pPr algn="just">
-              <a:buFont typeface="Arial" panose="020B0604020202020204" pitchFamily="34" charset="0"/>
-              <a:buChar char="•"/>
-            </a:pPr>
-            <a:r>
-              <a:rPr lang="fr-FR" dirty="0"/>
-              <a:t> </a:t>
-            </a:r>
-            <a:r>
-              <a:rPr lang="fr-FR" dirty="0" smtClean="0"/>
-              <a:t>Fonctionnalité</a:t>
-            </a:r>
+        <p:spPr/>
+        <p:txBody>
+          <a:bodyPr/>
+          <a:lstStyle/>
+          <a:p>
             <a:endParaRPr lang="fr-FR" dirty="0"/>
-          </a:p>
-          <a:p>
-            <a:pPr marL="0" indent="0" algn="just">
-              <a:buNone/>
-            </a:pPr>
-            <a:endParaRPr lang="fr-FR" dirty="0" smtClean="0"/>
-          </a:p>
-          <a:p>
-            <a:pPr algn="just">
-              <a:buFont typeface="Arial" panose="020B0604020202020204" pitchFamily="34" charset="0"/>
-              <a:buChar char="•"/>
-            </a:pPr>
-            <a:r>
-              <a:rPr lang="fr-FR" dirty="0" smtClean="0"/>
-              <a:t> Qualité</a:t>
-            </a:r>
-          </a:p>
-          <a:p>
-            <a:pPr algn="just"/>
-            <a:endParaRPr lang="fr-FR" dirty="0" smtClean="0"/>
           </a:p>
         </p:txBody>
       </p:sp>
     </p:spTree>
     <p:extLst>
       <p:ext uri="{BB962C8B-B14F-4D97-AF65-F5344CB8AC3E}">
-        <p14:creationId xmlns:p14="http://schemas.microsoft.com/office/powerpoint/2010/main" val="4022545455"/>
+        <p14:creationId xmlns:p14="http://schemas.microsoft.com/office/powerpoint/2010/main" val="2929499962"/>
       </p:ext>
     </p:extLst>
   </p:cSld>
   <p:clrMapOvr>
     <a:masterClrMapping/>
   </p:clrMapOvr>
-  <p:timing>
-    <p:tnLst>
-      <p:par>
-        <p:cTn id="1" dur="indefinite" restart="never" nodeType="tmRoot"/>
-      </p:par>
-    </p:tnLst>
-  </p:timing>
 </p:sld>
 </file>
 
 <file path=ppt/slides/slide4.xml><?xml version="1.0" encoding="utf-8"?>
+<p:sld xmlns:a="http://schemas.openxmlformats.org/drawingml/2006/main" xmlns:r="http://schemas.openxmlformats.org/officeDocument/2006/relationships" xmlns:p="http://schemas.openxmlformats.org/presentationml/2006/main">
+  <p:cSld>
+    <p:spTree>
+      <p:nvGrpSpPr>
+        <p:cNvPr id="1" name=""/>
+        <p:cNvGrpSpPr/>
+        <p:nvPr/>
+      </p:nvGrpSpPr>
+      <p:grpSpPr>
+        <a:xfrm>
+          <a:off x="0" y="0"/>
+          <a:ext cx="0" cy="0"/>
+          <a:chOff x="0" y="0"/>
+          <a:chExt cx="0" cy="0"/>
+        </a:xfrm>
+      </p:grpSpPr>
+      <p:sp>
+        <p:nvSpPr>
+          <p:cNvPr id="2" name="Titre 1"/>
+          <p:cNvSpPr>
+            <a:spLocks noGrp="1"/>
+          </p:cNvSpPr>
+          <p:nvPr>
+            <p:ph type="title"/>
+          </p:nvPr>
+        </p:nvSpPr>
+        <p:spPr/>
+        <p:txBody>
+          <a:bodyPr/>
+          <a:lstStyle/>
+          <a:p>
+            <a:pPr algn="ctr"/>
+            <a:r>
+              <a:rPr lang="fr-FR" dirty="0" smtClean="0"/>
+              <a:t>Analyse </a:t>
+            </a:r>
+            <a:r>
+              <a:rPr lang="fr-FR" dirty="0"/>
+              <a:t>fonctionnelle</a:t>
+            </a:r>
+          </a:p>
+        </p:txBody>
+      </p:sp>
+      <p:sp>
+        <p:nvSpPr>
+          <p:cNvPr id="3" name="Espace réservé du contenu 2"/>
+          <p:cNvSpPr>
+            <a:spLocks noGrp="1"/>
+          </p:cNvSpPr>
+          <p:nvPr>
+            <p:ph idx="1"/>
+          </p:nvPr>
+        </p:nvSpPr>
+        <p:spPr/>
+        <p:txBody>
+          <a:bodyPr/>
+          <a:lstStyle/>
+          <a:p>
+            <a:pPr marL="0" indent="0">
+              <a:buNone/>
+            </a:pPr>
+            <a:r>
+              <a:rPr lang="fr-FR" sz="2400" b="1" dirty="0" smtClean="0"/>
+              <a:t>Fonctionnalités de notre produit </a:t>
+            </a:r>
+            <a:r>
+              <a:rPr lang="fr-FR" dirty="0" smtClean="0"/>
+              <a:t>:</a:t>
+            </a:r>
+          </a:p>
+          <a:p>
+            <a:pPr marL="201168" lvl="1" indent="0">
+              <a:buNone/>
+            </a:pPr>
+            <a:endParaRPr lang="fr-FR" dirty="0"/>
+          </a:p>
+          <a:p>
+            <a:endParaRPr lang="fr-FR" dirty="0"/>
+          </a:p>
+        </p:txBody>
+      </p:sp>
+      <p:graphicFrame>
+        <p:nvGraphicFramePr>
+          <p:cNvPr id="5" name="Tableau 4"/>
+          <p:cNvGraphicFramePr>
+            <a:graphicFrameLocks noGrp="1"/>
+          </p:cNvGraphicFramePr>
+          <p:nvPr>
+            <p:extLst>
+              <p:ext uri="{D42A27DB-BD31-4B8C-83A1-F6EECF244321}">
+                <p14:modId xmlns:p14="http://schemas.microsoft.com/office/powerpoint/2010/main" val="2923467815"/>
+              </p:ext>
+            </p:extLst>
+          </p:nvPr>
+        </p:nvGraphicFramePr>
+        <p:xfrm>
+          <a:off x="1097276" y="2405447"/>
+          <a:ext cx="7887716" cy="3652963"/>
+        </p:xfrm>
+        <a:graphic>
+          <a:graphicData uri="http://schemas.openxmlformats.org/drawingml/2006/table">
+            <a:tbl>
+              <a:tblPr firstRow="1" bandRow="1">
+                <a:tableStyleId>{5940675A-B579-460E-94D1-54222C63F5DA}</a:tableStyleId>
+              </a:tblPr>
+              <a:tblGrid>
+                <a:gridCol w="2862326"/>
+                <a:gridCol w="5025390"/>
+              </a:tblGrid>
+              <a:tr h="1356240">
+                <a:tc>
+                  <a:txBody>
+                    <a:bodyPr/>
+                    <a:lstStyle/>
+                    <a:p>
+                      <a:r>
+                        <a:rPr lang="fr-FR" dirty="0" smtClean="0"/>
+                        <a:t>Fonctionnalités principales</a:t>
+                      </a:r>
+                      <a:endParaRPr lang="fr-FR" dirty="0"/>
+                    </a:p>
+                  </a:txBody>
+                  <a:tcPr/>
+                </a:tc>
+                <a:tc>
+                  <a:txBody>
+                    <a:bodyPr/>
+                    <a:lstStyle/>
+                    <a:p>
+                      <a:pPr marL="285750" indent="-285750">
+                        <a:buFontTx/>
+                        <a:buChar char="-"/>
+                      </a:pPr>
+                      <a:r>
+                        <a:rPr lang="fr-FR" dirty="0" smtClean="0"/>
+                        <a:t>Communiquer avec les autres utilisateurs du site</a:t>
+                      </a:r>
+                    </a:p>
+                    <a:p>
+                      <a:pPr marL="285750" indent="-285750">
+                        <a:buFontTx/>
+                        <a:buChar char="-"/>
+                      </a:pPr>
+                      <a:r>
+                        <a:rPr lang="fr-FR" dirty="0" smtClean="0"/>
+                        <a:t>Consulter</a:t>
+                      </a:r>
+                      <a:r>
+                        <a:rPr lang="fr-FR" baseline="0" dirty="0" smtClean="0"/>
+                        <a:t> les données sur les salles</a:t>
+                      </a:r>
+                    </a:p>
+                    <a:p>
+                      <a:pPr marL="285750" indent="-285750">
+                        <a:buFontTx/>
+                        <a:buChar char="-"/>
+                      </a:pPr>
+                      <a:r>
+                        <a:rPr lang="fr-FR" baseline="0" dirty="0" smtClean="0"/>
+                        <a:t>Consulter les données sur les groupes</a:t>
+                      </a:r>
+                    </a:p>
+                    <a:p>
+                      <a:pPr marL="285750" indent="-285750">
+                        <a:buFontTx/>
+                        <a:buChar char="-"/>
+                      </a:pPr>
+                      <a:r>
+                        <a:rPr lang="fr-FR" baseline="0" dirty="0" smtClean="0"/>
+                        <a:t>Consulter les données sur les concerts</a:t>
+                      </a:r>
+                    </a:p>
+                    <a:p>
+                      <a:pPr marL="285750" indent="-285750">
+                        <a:buFontTx/>
+                        <a:buChar char="-"/>
+                      </a:pPr>
+                      <a:r>
+                        <a:rPr lang="fr-FR" baseline="0" dirty="0" smtClean="0"/>
+                        <a:t>Réserver des places pour des concerts</a:t>
+                      </a:r>
+                      <a:endParaRPr lang="fr-FR" dirty="0"/>
+                    </a:p>
+                  </a:txBody>
+                  <a:tcPr/>
+                </a:tc>
+              </a:tr>
+              <a:tr h="1106205">
+                <a:tc>
+                  <a:txBody>
+                    <a:bodyPr/>
+                    <a:lstStyle/>
+                    <a:p>
+                      <a:pPr marL="0" marR="0" indent="0" algn="l" defTabSz="914400" rtl="0" eaLnBrk="1" fontAlgn="auto" latinLnBrk="0" hangingPunct="1">
+                        <a:lnSpc>
+                          <a:spcPct val="100000"/>
+                        </a:lnSpc>
+                        <a:spcBef>
+                          <a:spcPts val="0"/>
+                        </a:spcBef>
+                        <a:spcAft>
+                          <a:spcPts val="0"/>
+                        </a:spcAft>
+                        <a:buClrTx/>
+                        <a:buSzTx/>
+                        <a:buFontTx/>
+                        <a:buNone/>
+                        <a:tabLst/>
+                        <a:defRPr/>
+                      </a:pPr>
+                      <a:r>
+                        <a:rPr lang="fr-FR" dirty="0" smtClean="0"/>
+                        <a:t>Fonctionnalités accessoires</a:t>
+                      </a:r>
+                    </a:p>
+                  </a:txBody>
+                  <a:tcPr/>
+                </a:tc>
+                <a:tc>
+                  <a:txBody>
+                    <a:bodyPr/>
+                    <a:lstStyle/>
+                    <a:p>
+                      <a:pPr marL="285750" indent="-285750">
+                        <a:buFontTx/>
+                        <a:buChar char="-"/>
+                      </a:pPr>
+                      <a:r>
+                        <a:rPr lang="fr-FR" dirty="0" smtClean="0"/>
+                        <a:t>Permettre de consulter une</a:t>
+                      </a:r>
+                      <a:r>
+                        <a:rPr lang="fr-FR" baseline="0" dirty="0" smtClean="0"/>
+                        <a:t> cartes pour localiser les concerts</a:t>
+                      </a:r>
+                    </a:p>
+                    <a:p>
+                      <a:pPr marL="285750" indent="-285750">
+                        <a:buFontTx/>
+                        <a:buChar char="-"/>
+                      </a:pPr>
+                      <a:r>
+                        <a:rPr lang="fr-FR" baseline="0" dirty="0" smtClean="0"/>
+                        <a:t>Signaler lorsque la BDD n’a pas été mise à jour depuis un certain temps</a:t>
+                      </a:r>
+                      <a:endParaRPr lang="fr-FR" dirty="0"/>
+                    </a:p>
+                  </a:txBody>
+                  <a:tcPr/>
+                </a:tc>
+              </a:tr>
+              <a:tr h="1001203">
+                <a:tc>
+                  <a:txBody>
+                    <a:bodyPr/>
+                    <a:lstStyle/>
+                    <a:p>
+                      <a:r>
+                        <a:rPr lang="fr-FR" dirty="0" smtClean="0"/>
+                        <a:t>Fonctionnalités</a:t>
+                      </a:r>
+                      <a:r>
+                        <a:rPr lang="fr-FR" baseline="0" dirty="0" smtClean="0"/>
+                        <a:t> optionnelles</a:t>
+                      </a:r>
+                      <a:endParaRPr lang="fr-FR" dirty="0"/>
+                    </a:p>
+                  </a:txBody>
+                  <a:tcPr/>
+                </a:tc>
+                <a:tc>
+                  <a:txBody>
+                    <a:bodyPr/>
+                    <a:lstStyle/>
+                    <a:p>
+                      <a:pPr marL="285750" indent="-285750">
+                        <a:buFontTx/>
+                        <a:buChar char="-"/>
+                      </a:pPr>
+                      <a:r>
+                        <a:rPr lang="fr-FR" dirty="0" smtClean="0"/>
+                        <a:t>Possibilité</a:t>
+                      </a:r>
+                      <a:r>
+                        <a:rPr lang="fr-FR" baseline="0" dirty="0" smtClean="0"/>
+                        <a:t> pour les </a:t>
+                      </a:r>
+                      <a:r>
+                        <a:rPr lang="fr-FR" baseline="0" dirty="0" err="1" smtClean="0"/>
+                        <a:t>bookers</a:t>
+                      </a:r>
+                      <a:r>
+                        <a:rPr lang="fr-FR" baseline="0" dirty="0" smtClean="0"/>
+                        <a:t> de sauvegarder leur base de données sur leur disque.</a:t>
+                      </a:r>
+                    </a:p>
+                  </a:txBody>
+                  <a:tcPr/>
+                </a:tc>
+              </a:tr>
+            </a:tbl>
+          </a:graphicData>
+        </a:graphic>
+      </p:graphicFrame>
+    </p:spTree>
+    <p:extLst>
+      <p:ext uri="{BB962C8B-B14F-4D97-AF65-F5344CB8AC3E}">
+        <p14:creationId xmlns:p14="http://schemas.microsoft.com/office/powerpoint/2010/main" val="297056411"/>
+      </p:ext>
+    </p:extLst>
+  </p:cSld>
+  <p:clrMapOvr>
+    <a:masterClrMapping/>
+  </p:clrMapOvr>
+</p:sld>
+</file>
+
+<file path=ppt/slides/slide5.xml><?xml version="1.0" encoding="utf-8"?>
+<p:sld xmlns:a="http://schemas.openxmlformats.org/drawingml/2006/main" xmlns:r="http://schemas.openxmlformats.org/officeDocument/2006/relationships" xmlns:p="http://schemas.openxmlformats.org/presentationml/2006/main">
+  <p:cSld>
+    <p:spTree>
+      <p:nvGrpSpPr>
+        <p:cNvPr id="1" name=""/>
+        <p:cNvGrpSpPr/>
+        <p:nvPr/>
+      </p:nvGrpSpPr>
+      <p:grpSpPr>
+        <a:xfrm>
+          <a:off x="0" y="0"/>
+          <a:ext cx="0" cy="0"/>
+          <a:chOff x="0" y="0"/>
+          <a:chExt cx="0" cy="0"/>
+        </a:xfrm>
+      </p:grpSpPr>
+      <p:sp>
+        <p:nvSpPr>
+          <p:cNvPr id="2" name="Titre 1"/>
+          <p:cNvSpPr>
+            <a:spLocks noGrp="1"/>
+          </p:cNvSpPr>
+          <p:nvPr>
+            <p:ph type="title"/>
+          </p:nvPr>
+        </p:nvSpPr>
+        <p:spPr/>
+        <p:txBody>
+          <a:bodyPr/>
+          <a:lstStyle/>
+          <a:p>
+            <a:pPr algn="ctr"/>
+            <a:r>
+              <a:rPr lang="fr-FR" dirty="0" smtClean="0"/>
+              <a:t>Analyse </a:t>
+            </a:r>
+            <a:r>
+              <a:rPr lang="fr-FR" dirty="0"/>
+              <a:t>fonctionnelle</a:t>
+            </a:r>
+          </a:p>
+        </p:txBody>
+      </p:sp>
+      <p:sp>
+        <p:nvSpPr>
+          <p:cNvPr id="3" name="Espace réservé du contenu 2"/>
+          <p:cNvSpPr>
+            <a:spLocks noGrp="1"/>
+          </p:cNvSpPr>
+          <p:nvPr>
+            <p:ph idx="1"/>
+          </p:nvPr>
+        </p:nvSpPr>
+        <p:spPr/>
+        <p:txBody>
+          <a:bodyPr/>
+          <a:lstStyle/>
+          <a:p>
+            <a:pPr marL="0" indent="0">
+              <a:buNone/>
+            </a:pPr>
+            <a:r>
+              <a:rPr lang="fr-FR" dirty="0" smtClean="0"/>
+              <a:t>Les six critères qualités du plus important au moins important :</a:t>
+            </a:r>
+          </a:p>
+          <a:p>
+            <a:endParaRPr lang="fr-FR" dirty="0" smtClean="0"/>
+          </a:p>
+          <a:p>
+            <a:endParaRPr lang="fr-FR" dirty="0"/>
+          </a:p>
+          <a:p>
+            <a:pPr lvl="1">
+              <a:buFont typeface="Arial" panose="020B0604020202020204" pitchFamily="34" charset="0"/>
+              <a:buChar char="•"/>
+            </a:pPr>
+            <a:r>
+              <a:rPr lang="fr-FR" dirty="0" smtClean="0"/>
+              <a:t>L'interopérabilité </a:t>
+            </a:r>
+            <a:r>
+              <a:rPr lang="fr-FR" dirty="0"/>
+              <a:t>du </a:t>
+            </a:r>
+            <a:r>
+              <a:rPr lang="fr-FR" dirty="0" smtClean="0"/>
+              <a:t>site ;</a:t>
+            </a:r>
+          </a:p>
+          <a:p>
+            <a:pPr lvl="1">
+              <a:buFont typeface="Arial" panose="020B0604020202020204" pitchFamily="34" charset="0"/>
+              <a:buChar char="•"/>
+            </a:pPr>
+            <a:r>
+              <a:rPr lang="fr-FR" dirty="0" smtClean="0"/>
+              <a:t>La sécurité </a:t>
+            </a:r>
+            <a:r>
+              <a:rPr lang="fr-FR" dirty="0"/>
+              <a:t>de </a:t>
+            </a:r>
+            <a:r>
+              <a:rPr lang="fr-FR" dirty="0" smtClean="0"/>
+              <a:t>celui-ci ;</a:t>
+            </a:r>
+          </a:p>
+          <a:p>
+            <a:pPr lvl="1">
+              <a:buFont typeface="Arial" panose="020B0604020202020204" pitchFamily="34" charset="0"/>
+              <a:buChar char="•"/>
+            </a:pPr>
+            <a:r>
+              <a:rPr lang="fr-FR" dirty="0" smtClean="0"/>
+              <a:t>L’exactitude des données ;</a:t>
+            </a:r>
+          </a:p>
+          <a:p>
+            <a:pPr lvl="1">
+              <a:buFont typeface="Arial" panose="020B0604020202020204" pitchFamily="34" charset="0"/>
+              <a:buChar char="•"/>
+            </a:pPr>
+            <a:r>
+              <a:rPr lang="fr-FR" dirty="0" smtClean="0"/>
+              <a:t>La tolérance aux fautes ;</a:t>
+            </a:r>
+          </a:p>
+          <a:p>
+            <a:pPr lvl="1">
+              <a:buFont typeface="Arial" panose="020B0604020202020204" pitchFamily="34" charset="0"/>
+              <a:buChar char="•"/>
+            </a:pPr>
+            <a:r>
+              <a:rPr lang="fr-FR" dirty="0" smtClean="0"/>
+              <a:t>La facilité de compréhension ;</a:t>
+            </a:r>
+          </a:p>
+          <a:p>
+            <a:pPr lvl="1">
+              <a:buFont typeface="Arial" panose="020B0604020202020204" pitchFamily="34" charset="0"/>
+              <a:buChar char="•"/>
+            </a:pPr>
+            <a:r>
+              <a:rPr lang="fr-FR" dirty="0" smtClean="0"/>
+              <a:t>La facilité à être testé ;</a:t>
+            </a:r>
+            <a:endParaRPr lang="fr-FR" dirty="0"/>
+          </a:p>
+          <a:p>
+            <a:endParaRPr lang="fr-FR" dirty="0"/>
+          </a:p>
+          <a:p>
+            <a:endParaRPr lang="fr-FR" dirty="0"/>
+          </a:p>
+        </p:txBody>
+      </p:sp>
+    </p:spTree>
+    <p:extLst>
+      <p:ext uri="{BB962C8B-B14F-4D97-AF65-F5344CB8AC3E}">
+        <p14:creationId xmlns:p14="http://schemas.microsoft.com/office/powerpoint/2010/main" val="4040311916"/>
+      </p:ext>
+    </p:extLst>
+  </p:cSld>
+  <p:clrMapOvr>
+    <a:masterClrMapping/>
+  </p:clrMapOvr>
+</p:sld>
+</file>
+
+<file path=ppt/slides/slide6.xml><?xml version="1.0" encoding="utf-8"?>
 <p:sld xmlns:a="http://schemas.openxmlformats.org/drawingml/2006/main" xmlns:r="http://schemas.openxmlformats.org/officeDocument/2006/relationships" xmlns:p="http://schemas.openxmlformats.org/presentationml/2006/main">
   <p:cSld>
     <p:spTree>
@@ -4388,7 +5021,7 @@
 </p:sld>
 </file>
 
-<file path=ppt/slides/slide5.xml><?xml version="1.0" encoding="utf-8"?>
+<file path=ppt/slides/slide7.xml><?xml version="1.0" encoding="utf-8"?>
 <p:sld xmlns:a="http://schemas.openxmlformats.org/drawingml/2006/main" xmlns:r="http://schemas.openxmlformats.org/officeDocument/2006/relationships" xmlns:p="http://schemas.openxmlformats.org/presentationml/2006/main">
   <p:cSld>
     <p:spTree>
@@ -4489,7 +5122,7 @@
 </p:sld>
 </file>
 
-<file path=ppt/slides/slide6.xml><?xml version="1.0" encoding="utf-8"?>
+<file path=ppt/slides/slide8.xml><?xml version="1.0" encoding="utf-8"?>
 <p:sld xmlns:a="http://schemas.openxmlformats.org/drawingml/2006/main" xmlns:r="http://schemas.openxmlformats.org/officeDocument/2006/relationships" xmlns:p="http://schemas.openxmlformats.org/presentationml/2006/main">
   <p:cSld>
     <p:spTree>
@@ -4590,7 +5223,7 @@
 </p:sld>
 </file>
 
-<file path=ppt/slides/slide7.xml><?xml version="1.0" encoding="utf-8"?>
+<file path=ppt/slides/slide9.xml><?xml version="1.0" encoding="utf-8"?>
 <p:sld xmlns:a="http://schemas.openxmlformats.org/drawingml/2006/main" xmlns:r="http://schemas.openxmlformats.org/officeDocument/2006/relationships" xmlns:p="http://schemas.openxmlformats.org/presentationml/2006/main">
   <p:cSld>
     <p:spTree>
@@ -4682,204 +5315,6 @@
     <p:extLst>
       <p:ext uri="{BB962C8B-B14F-4D97-AF65-F5344CB8AC3E}">
         <p14:creationId xmlns:p14="http://schemas.microsoft.com/office/powerpoint/2010/main" val="875030020"/>
-      </p:ext>
-    </p:extLst>
-  </p:cSld>
-  <p:clrMapOvr>
-    <a:masterClrMapping/>
-  </p:clrMapOvr>
-</p:sld>
-</file>
-
-<file path=ppt/slides/slide8.xml><?xml version="1.0" encoding="utf-8"?>
-<p:sld xmlns:a="http://schemas.openxmlformats.org/drawingml/2006/main" xmlns:r="http://schemas.openxmlformats.org/officeDocument/2006/relationships" xmlns:p="http://schemas.openxmlformats.org/presentationml/2006/main">
-  <p:cSld>
-    <p:spTree>
-      <p:nvGrpSpPr>
-        <p:cNvPr id="1" name=""/>
-        <p:cNvGrpSpPr/>
-        <p:nvPr/>
-      </p:nvGrpSpPr>
-      <p:grpSpPr>
-        <a:xfrm>
-          <a:off x="0" y="0"/>
-          <a:ext cx="0" cy="0"/>
-          <a:chOff x="0" y="0"/>
-          <a:chExt cx="0" cy="0"/>
-        </a:xfrm>
-      </p:grpSpPr>
-      <p:sp>
-        <p:nvSpPr>
-          <p:cNvPr id="2" name="Titre 1"/>
-          <p:cNvSpPr>
-            <a:spLocks noGrp="1"/>
-          </p:cNvSpPr>
-          <p:nvPr>
-            <p:ph type="title"/>
-          </p:nvPr>
-        </p:nvSpPr>
-        <p:spPr/>
-        <p:txBody>
-          <a:bodyPr/>
-          <a:lstStyle/>
-          <a:p>
-            <a:pPr algn="ctr"/>
-            <a:r>
-              <a:rPr lang="fr-FR" dirty="0"/>
-              <a:t>Maquettes </a:t>
-            </a:r>
-            <a:r>
-              <a:rPr lang="fr-FR" dirty="0" smtClean="0"/>
-              <a:t>et site</a:t>
-            </a:r>
-            <a:endParaRPr lang="fr-FR" dirty="0"/>
-          </a:p>
-        </p:txBody>
-      </p:sp>
-      <p:pic>
-        <p:nvPicPr>
-          <p:cNvPr id="3074" name="Picture 2" descr="https://raw.githubusercontent.com/congiohj/Mew-Project/master/blabla/Images/Screenshots/Inscription_groupe.png"/>
-          <p:cNvPicPr>
-            <a:picLocks noGrp="1" noChangeAspect="1" noChangeArrowheads="1"/>
-          </p:cNvPicPr>
-          <p:nvPr>
-            <p:ph idx="1"/>
-          </p:nvPr>
-        </p:nvPicPr>
-        <p:blipFill>
-          <a:blip r:embed="rId2">
-            <a:extLst>
-              <a:ext uri="{28A0092B-C50C-407E-A947-70E740481C1C}">
-                <a14:useLocalDpi xmlns:a14="http://schemas.microsoft.com/office/drawing/2010/main" val="0"/>
-              </a:ext>
-            </a:extLst>
-          </a:blip>
-          <a:srcRect/>
-          <a:stretch>
-            <a:fillRect/>
-          </a:stretch>
-        </p:blipFill>
-        <p:spPr bwMode="auto">
-          <a:xfrm>
-            <a:off x="1859825" y="1846263"/>
-            <a:ext cx="8532675" cy="4022725"/>
-          </a:xfrm>
-          <a:prstGeom prst="rect">
-            <a:avLst/>
-          </a:prstGeom>
-          <a:noFill/>
-          <a:extLst>
-            <a:ext uri="{909E8E84-426E-40DD-AFC4-6F175D3DCCD1}">
-              <a14:hiddenFill xmlns:a14="http://schemas.microsoft.com/office/drawing/2010/main">
-                <a:solidFill>
-                  <a:srgbClr val="FFFFFF"/>
-                </a:solidFill>
-              </a14:hiddenFill>
-            </a:ext>
-          </a:extLst>
-        </p:spPr>
-      </p:pic>
-    </p:spTree>
-    <p:extLst>
-      <p:ext uri="{BB962C8B-B14F-4D97-AF65-F5344CB8AC3E}">
-        <p14:creationId xmlns:p14="http://schemas.microsoft.com/office/powerpoint/2010/main" val="816700898"/>
-      </p:ext>
-    </p:extLst>
-  </p:cSld>
-  <p:clrMapOvr>
-    <a:masterClrMapping/>
-  </p:clrMapOvr>
-</p:sld>
-</file>
-
-<file path=ppt/slides/slide9.xml><?xml version="1.0" encoding="utf-8"?>
-<p:sld xmlns:a="http://schemas.openxmlformats.org/drawingml/2006/main" xmlns:r="http://schemas.openxmlformats.org/officeDocument/2006/relationships" xmlns:p="http://schemas.openxmlformats.org/presentationml/2006/main">
-  <p:cSld>
-    <p:spTree>
-      <p:nvGrpSpPr>
-        <p:cNvPr id="1" name=""/>
-        <p:cNvGrpSpPr/>
-        <p:nvPr/>
-      </p:nvGrpSpPr>
-      <p:grpSpPr>
-        <a:xfrm>
-          <a:off x="0" y="0"/>
-          <a:ext cx="0" cy="0"/>
-          <a:chOff x="0" y="0"/>
-          <a:chExt cx="0" cy="0"/>
-        </a:xfrm>
-      </p:grpSpPr>
-      <p:sp>
-        <p:nvSpPr>
-          <p:cNvPr id="2" name="Titre 1"/>
-          <p:cNvSpPr>
-            <a:spLocks noGrp="1"/>
-          </p:cNvSpPr>
-          <p:nvPr>
-            <p:ph type="title"/>
-          </p:nvPr>
-        </p:nvSpPr>
-        <p:spPr/>
-        <p:txBody>
-          <a:bodyPr/>
-          <a:lstStyle/>
-          <a:p>
-            <a:pPr algn="ctr"/>
-            <a:r>
-              <a:rPr lang="fr-FR" dirty="0" smtClean="0"/>
-              <a:t>Base de Donnée</a:t>
-            </a:r>
-            <a:endParaRPr lang="fr-FR" dirty="0"/>
-          </a:p>
-        </p:txBody>
-      </p:sp>
-      <p:pic>
-        <p:nvPicPr>
-          <p:cNvPr id="6146" name="Picture 2" descr="http://puu.sh/luVZy/cfc1e1d202.png"/>
-          <p:cNvPicPr>
-            <a:picLocks noGrp="1" noChangeAspect="1" noChangeArrowheads="1"/>
-          </p:cNvPicPr>
-          <p:nvPr>
-            <p:ph idx="1"/>
-          </p:nvPr>
-        </p:nvPicPr>
-        <p:blipFill>
-          <a:blip r:embed="rId2">
-            <a:extLst>
-              <a:ext uri="{28A0092B-C50C-407E-A947-70E740481C1C}">
-                <a14:useLocalDpi xmlns:a14="http://schemas.microsoft.com/office/drawing/2010/main" val="0"/>
-              </a:ext>
-            </a:extLst>
-          </a:blip>
-          <a:srcRect/>
-          <a:stretch>
-            <a:fillRect/>
-          </a:stretch>
-        </p:blipFill>
-        <p:spPr bwMode="auto">
-          <a:xfrm>
-            <a:off x="2343903" y="1803263"/>
-            <a:ext cx="7995638" cy="4482208"/>
-          </a:xfrm>
-          <a:prstGeom prst="rect">
-            <a:avLst/>
-          </a:prstGeom>
-          <a:noFill/>
-          <a:extLst>
-            <a:ext uri="{909E8E84-426E-40DD-AFC4-6F175D3DCCD1}">
-              <a14:hiddenFill xmlns:a14="http://schemas.microsoft.com/office/drawing/2010/main">
-                <a:solidFill>
-                  <a:srgbClr val="FFFFFF"/>
-                </a:solidFill>
-              </a14:hiddenFill>
-            </a:ext>
-          </a:extLst>
-        </p:spPr>
-      </p:pic>
-    </p:spTree>
-    <p:extLst>
-      <p:ext uri="{BB962C8B-B14F-4D97-AF65-F5344CB8AC3E}">
-        <p14:creationId xmlns:p14="http://schemas.microsoft.com/office/powerpoint/2010/main" val="2625766826"/>
       </p:ext>
     </p:extLst>
   </p:cSld>

--- a/blabla/Rendu/Projet Booker it2 - V1.pptx
+++ b/blabla/Rendu/Projet Booker it2 - V1.pptx
@@ -4411,7 +4411,40 @@
           <a:bodyPr/>
           <a:lstStyle/>
           <a:p>
-            <a:endParaRPr lang="fr-FR" dirty="0"/>
+            <a:endParaRPr lang="fr-FR" dirty="0" smtClean="0"/>
+          </a:p>
+          <a:p>
+            <a:endParaRPr lang="fr-FR" dirty="0" smtClean="0"/>
+          </a:p>
+          <a:p>
+            <a:pPr lvl="1"/>
+            <a:r>
+              <a:rPr lang="fr-FR" sz="2400" dirty="0" smtClean="0"/>
+              <a:t>Etude du contexte</a:t>
+            </a:r>
+          </a:p>
+          <a:p>
+            <a:pPr lvl="1"/>
+            <a:endParaRPr lang="fr-FR" sz="2400" dirty="0"/>
+          </a:p>
+          <a:p>
+            <a:pPr lvl="1"/>
+            <a:r>
+              <a:rPr lang="fr-FR" sz="2400" dirty="0" smtClean="0"/>
+              <a:t>Analyse de l’existant</a:t>
+            </a:r>
+          </a:p>
+          <a:p>
+            <a:pPr lvl="1"/>
+            <a:endParaRPr lang="fr-FR" sz="2400" dirty="0"/>
+          </a:p>
+          <a:p>
+            <a:pPr lvl="1"/>
+            <a:r>
+              <a:rPr lang="fr-FR" sz="2400" dirty="0" smtClean="0"/>
+              <a:t>Analyse des besoins</a:t>
+            </a:r>
+            <a:endParaRPr lang="fr-FR" sz="2400" dirty="0"/>
           </a:p>
         </p:txBody>
       </p:sp>

--- a/blabla/Rendu/Projet Booker it2 - V1.pptx
+++ b/blabla/Rendu/Projet Booker it2 - V1.pptx
@@ -17,6 +17,7 @@
     <p:sldId id="273" r:id="rId11"/>
     <p:sldId id="274" r:id="rId12"/>
     <p:sldId id="275" r:id="rId13"/>
+    <p:sldId id="280" r:id="rId14"/>
   </p:sldIdLst>
   <p:sldSz cx="12192000" cy="6858000"/>
   <p:notesSz cx="6858000" cy="9144000"/>
@@ -4213,6 +4214,87 @@
 </p:sld>
 </file>
 
+<file path=ppt/slides/slide13.xml><?xml version="1.0" encoding="utf-8"?>
+<p:sld xmlns:a="http://schemas.openxmlformats.org/drawingml/2006/main" xmlns:r="http://schemas.openxmlformats.org/officeDocument/2006/relationships" xmlns:p="http://schemas.openxmlformats.org/presentationml/2006/main">
+  <p:cSld>
+    <p:spTree>
+      <p:nvGrpSpPr>
+        <p:cNvPr id="1" name=""/>
+        <p:cNvGrpSpPr/>
+        <p:nvPr/>
+      </p:nvGrpSpPr>
+      <p:grpSpPr>
+        <a:xfrm>
+          <a:off x="0" y="0"/>
+          <a:ext cx="0" cy="0"/>
+          <a:chOff x="0" y="0"/>
+          <a:chExt cx="0" cy="0"/>
+        </a:xfrm>
+      </p:grpSpPr>
+      <p:sp>
+        <p:nvSpPr>
+          <p:cNvPr id="2" name="Titre 1"/>
+          <p:cNvSpPr>
+            <a:spLocks noGrp="1"/>
+          </p:cNvSpPr>
+          <p:nvPr>
+            <p:ph type="ctrTitle"/>
+          </p:nvPr>
+        </p:nvSpPr>
+        <p:spPr/>
+        <p:txBody>
+          <a:bodyPr/>
+          <a:lstStyle/>
+          <a:p>
+            <a:pPr algn="ctr"/>
+            <a:r>
+              <a:rPr lang="fr-FR" dirty="0" smtClean="0"/>
+              <a:t>FIN</a:t>
+            </a:r>
+            <a:endParaRPr lang="fr-FR" dirty="0"/>
+          </a:p>
+        </p:txBody>
+      </p:sp>
+      <p:sp>
+        <p:nvSpPr>
+          <p:cNvPr id="3" name="Sous-titre 2"/>
+          <p:cNvSpPr>
+            <a:spLocks noGrp="1"/>
+          </p:cNvSpPr>
+          <p:nvPr>
+            <p:ph type="subTitle" idx="1"/>
+          </p:nvPr>
+        </p:nvSpPr>
+        <p:spPr/>
+        <p:txBody>
+          <a:bodyPr>
+            <a:normAutofit/>
+          </a:bodyPr>
+          <a:lstStyle/>
+          <a:p>
+            <a:endParaRPr lang="fr-FR" dirty="0" smtClean="0"/>
+          </a:p>
+          <a:p>
+            <a:endParaRPr lang="fr-FR" dirty="0"/>
+          </a:p>
+          <a:p>
+            <a:endParaRPr lang="fr-FR" dirty="0" smtClean="0"/>
+          </a:p>
+        </p:txBody>
+      </p:sp>
+    </p:spTree>
+    <p:extLst>
+      <p:ext uri="{BB962C8B-B14F-4D97-AF65-F5344CB8AC3E}">
+        <p14:creationId xmlns:p14="http://schemas.microsoft.com/office/powerpoint/2010/main" val="939645389"/>
+      </p:ext>
+    </p:extLst>
+  </p:cSld>
+  <p:clrMapOvr>
+    <a:masterClrMapping/>
+  </p:clrMapOvr>
+</p:sld>
+</file>
+
 <file path=ppt/slides/slide2.xml><?xml version="1.0" encoding="utf-8"?>
 <p:sld xmlns:a="http://schemas.openxmlformats.org/drawingml/2006/main" xmlns:r="http://schemas.openxmlformats.org/officeDocument/2006/relationships" xmlns:p="http://schemas.openxmlformats.org/presentationml/2006/main">
   <p:cSld>

--- a/blabla/Rendu/Projet Booker it2 - V1.pptx
+++ b/blabla/Rendu/Projet Booker it2 - V1.pptx
@@ -12,12 +12,13 @@
     <p:sldId id="276" r:id="rId6"/>
     <p:sldId id="269" r:id="rId7"/>
     <p:sldId id="270" r:id="rId8"/>
-    <p:sldId id="271" r:id="rId9"/>
-    <p:sldId id="272" r:id="rId10"/>
-    <p:sldId id="273" r:id="rId11"/>
-    <p:sldId id="274" r:id="rId12"/>
-    <p:sldId id="275" r:id="rId13"/>
-    <p:sldId id="280" r:id="rId14"/>
+    <p:sldId id="281" r:id="rId9"/>
+    <p:sldId id="271" r:id="rId10"/>
+    <p:sldId id="272" r:id="rId11"/>
+    <p:sldId id="273" r:id="rId12"/>
+    <p:sldId id="274" r:id="rId13"/>
+    <p:sldId id="275" r:id="rId14"/>
+    <p:sldId id="280" r:id="rId15"/>
   </p:sldIdLst>
   <p:sldSz cx="12192000" cy="6858000"/>
   <p:notesSz cx="6858000" cy="9144000"/>
@@ -3931,6 +3932,107 @@
       </p:sp>
       <p:pic>
         <p:nvPicPr>
+          <p:cNvPr id="4098" name="Picture 2" descr="https://raw.githubusercontent.com/congiohj/Mew-Project/master/blabla/Images/Screenshots/Inscription_booker.png"/>
+          <p:cNvPicPr>
+            <a:picLocks noGrp="1" noChangeAspect="1" noChangeArrowheads="1"/>
+          </p:cNvPicPr>
+          <p:nvPr>
+            <p:ph idx="1"/>
+          </p:nvPr>
+        </p:nvPicPr>
+        <p:blipFill>
+          <a:blip r:embed="rId2">
+            <a:extLst>
+              <a:ext uri="{28A0092B-C50C-407E-A947-70E740481C1C}">
+                <a14:useLocalDpi xmlns:a14="http://schemas.microsoft.com/office/drawing/2010/main" val="0"/>
+              </a:ext>
+            </a:extLst>
+          </a:blip>
+          <a:srcRect/>
+          <a:stretch>
+            <a:fillRect/>
+          </a:stretch>
+        </p:blipFill>
+        <p:spPr bwMode="auto">
+          <a:xfrm>
+            <a:off x="1866440" y="1846263"/>
+            <a:ext cx="8519445" cy="4022725"/>
+          </a:xfrm>
+          <a:prstGeom prst="rect">
+            <a:avLst/>
+          </a:prstGeom>
+          <a:noFill/>
+          <a:extLst>
+            <a:ext uri="{909E8E84-426E-40DD-AFC4-6F175D3DCCD1}">
+              <a14:hiddenFill xmlns:a14="http://schemas.microsoft.com/office/drawing/2010/main">
+                <a:solidFill>
+                  <a:srgbClr val="FFFFFF"/>
+                </a:solidFill>
+              </a14:hiddenFill>
+            </a:ext>
+          </a:extLst>
+        </p:spPr>
+      </p:pic>
+    </p:spTree>
+    <p:extLst>
+      <p:ext uri="{BB962C8B-B14F-4D97-AF65-F5344CB8AC3E}">
+        <p14:creationId xmlns:p14="http://schemas.microsoft.com/office/powerpoint/2010/main" val="875030020"/>
+      </p:ext>
+    </p:extLst>
+  </p:cSld>
+  <p:clrMapOvr>
+    <a:masterClrMapping/>
+  </p:clrMapOvr>
+</p:sld>
+</file>
+
+<file path=ppt/slides/slide11.xml><?xml version="1.0" encoding="utf-8"?>
+<p:sld xmlns:a="http://schemas.openxmlformats.org/drawingml/2006/main" xmlns:r="http://schemas.openxmlformats.org/officeDocument/2006/relationships" xmlns:p="http://schemas.openxmlformats.org/presentationml/2006/main">
+  <p:cSld>
+    <p:spTree>
+      <p:nvGrpSpPr>
+        <p:cNvPr id="1" name=""/>
+        <p:cNvGrpSpPr/>
+        <p:nvPr/>
+      </p:nvGrpSpPr>
+      <p:grpSpPr>
+        <a:xfrm>
+          <a:off x="0" y="0"/>
+          <a:ext cx="0" cy="0"/>
+          <a:chOff x="0" y="0"/>
+          <a:chExt cx="0" cy="0"/>
+        </a:xfrm>
+      </p:grpSpPr>
+      <p:sp>
+        <p:nvSpPr>
+          <p:cNvPr id="2" name="Titre 1"/>
+          <p:cNvSpPr>
+            <a:spLocks noGrp="1"/>
+          </p:cNvSpPr>
+          <p:nvPr>
+            <p:ph type="title"/>
+          </p:nvPr>
+        </p:nvSpPr>
+        <p:spPr/>
+        <p:txBody>
+          <a:bodyPr/>
+          <a:lstStyle/>
+          <a:p>
+            <a:pPr algn="ctr"/>
+            <a:r>
+              <a:rPr lang="fr-FR" dirty="0"/>
+              <a:t>Maquettes </a:t>
+            </a:r>
+            <a:r>
+              <a:rPr lang="fr-FR" dirty="0" smtClean="0"/>
+              <a:t>et site</a:t>
+            </a:r>
+            <a:endParaRPr lang="fr-FR" dirty="0"/>
+          </a:p>
+        </p:txBody>
+      </p:sp>
+      <p:pic>
+        <p:nvPicPr>
           <p:cNvPr id="3074" name="Picture 2" descr="https://raw.githubusercontent.com/congiohj/Mew-Project/master/blabla/Images/Screenshots/Inscription_groupe.png"/>
           <p:cNvPicPr>
             <a:picLocks noGrp="1" noChangeAspect="1" noChangeArrowheads="1"/>
@@ -3985,7 +4087,7 @@
 </p:sld>
 </file>
 
-<file path=ppt/slides/slide11.xml><?xml version="1.0" encoding="utf-8"?>
+<file path=ppt/slides/slide12.xml><?xml version="1.0" encoding="utf-8"?>
 <p:sld xmlns:a="http://schemas.openxmlformats.org/drawingml/2006/main" xmlns:r="http://schemas.openxmlformats.org/officeDocument/2006/relationships" xmlns:p="http://schemas.openxmlformats.org/presentationml/2006/main">
   <p:cSld>
     <p:spTree>
@@ -4082,7 +4184,7 @@
 </p:sld>
 </file>
 
-<file path=ppt/slides/slide12.xml><?xml version="1.0" encoding="utf-8"?>
+<file path=ppt/slides/slide13.xml><?xml version="1.0" encoding="utf-8"?>
 <p:sld xmlns:a="http://schemas.openxmlformats.org/drawingml/2006/main" xmlns:r="http://schemas.openxmlformats.org/officeDocument/2006/relationships" xmlns:p="http://schemas.openxmlformats.org/presentationml/2006/main">
   <p:cSld>
     <p:spTree>
@@ -4214,7 +4316,7 @@
 </p:sld>
 </file>
 
-<file path=ppt/slides/slide13.xml><?xml version="1.0" encoding="utf-8"?>
+<file path=ppt/slides/slide14.xml><?xml version="1.0" encoding="utf-8"?>
 <p:sld xmlns:a="http://schemas.openxmlformats.org/drawingml/2006/main" xmlns:r="http://schemas.openxmlformats.org/officeDocument/2006/relationships" xmlns:p="http://schemas.openxmlformats.org/presentationml/2006/main">
   <p:cSld>
     <p:spTree>
@@ -5206,7 +5308,7 @@
         </p:blipFill>
         <p:spPr bwMode="auto">
           <a:xfrm>
-            <a:off x="1859825" y="1846263"/>
+            <a:off x="2123436" y="2291106"/>
             <a:ext cx="8532675" cy="4022725"/>
           </a:xfrm>
           <a:prstGeom prst="rect">
@@ -5272,6 +5374,165 @@
             <a:pPr algn="ctr"/>
             <a:r>
               <a:rPr lang="fr-FR" dirty="0"/>
+              <a:t>Maquettes et site</a:t>
+            </a:r>
+          </a:p>
+        </p:txBody>
+      </p:sp>
+      <p:sp>
+        <p:nvSpPr>
+          <p:cNvPr id="3" name="Espace réservé du texte 2"/>
+          <p:cNvSpPr>
+            <a:spLocks noGrp="1"/>
+          </p:cNvSpPr>
+          <p:nvPr>
+            <p:ph type="body" idx="1"/>
+          </p:nvPr>
+        </p:nvSpPr>
+        <p:spPr/>
+        <p:txBody>
+          <a:bodyPr/>
+          <a:lstStyle/>
+          <a:p>
+            <a:pPr algn="ctr"/>
+            <a:r>
+              <a:rPr lang="fr-FR" dirty="0" smtClean="0"/>
+              <a:t>Site</a:t>
+            </a:r>
+            <a:endParaRPr lang="fr-FR" dirty="0"/>
+          </a:p>
+        </p:txBody>
+      </p:sp>
+      <p:pic>
+        <p:nvPicPr>
+          <p:cNvPr id="9" name="Espace réservé du contenu 8"/>
+          <p:cNvPicPr>
+            <a:picLocks noGrp="1" noChangeAspect="1"/>
+          </p:cNvPicPr>
+          <p:nvPr>
+            <p:ph sz="half" idx="2"/>
+          </p:nvPr>
+        </p:nvPicPr>
+        <p:blipFill>
+          <a:blip r:embed="rId2" cstate="print">
+            <a:extLst>
+              <a:ext uri="{28A0092B-C50C-407E-A947-70E740481C1C}">
+                <a14:useLocalDpi xmlns:a14="http://schemas.microsoft.com/office/drawing/2010/main" val="0"/>
+              </a:ext>
+            </a:extLst>
+          </a:blip>
+          <a:stretch>
+            <a:fillRect/>
+          </a:stretch>
+        </p:blipFill>
+        <p:spPr>
+          <a:xfrm>
+            <a:off x="1096328" y="3099548"/>
+            <a:ext cx="4938712" cy="2328353"/>
+          </a:xfrm>
+        </p:spPr>
+      </p:pic>
+      <p:sp>
+        <p:nvSpPr>
+          <p:cNvPr id="5" name="Espace réservé du texte 4"/>
+          <p:cNvSpPr>
+            <a:spLocks noGrp="1"/>
+          </p:cNvSpPr>
+          <p:nvPr>
+            <p:ph type="body" sz="quarter" idx="3"/>
+          </p:nvPr>
+        </p:nvSpPr>
+        <p:spPr/>
+        <p:txBody>
+          <a:bodyPr/>
+          <a:lstStyle/>
+          <a:p>
+            <a:pPr algn="ctr"/>
+            <a:r>
+              <a:rPr lang="fr-FR" dirty="0" smtClean="0"/>
+              <a:t>maquette</a:t>
+            </a:r>
+            <a:endParaRPr lang="fr-FR" dirty="0"/>
+          </a:p>
+        </p:txBody>
+      </p:sp>
+      <p:pic>
+        <p:nvPicPr>
+          <p:cNvPr id="10" name="Espace réservé du contenu 9"/>
+          <p:cNvPicPr>
+            <a:picLocks noGrp="1" noChangeAspect="1"/>
+          </p:cNvPicPr>
+          <p:nvPr>
+            <p:ph sz="quarter" idx="4"/>
+          </p:nvPr>
+        </p:nvPicPr>
+        <p:blipFill>
+          <a:blip r:embed="rId3">
+            <a:extLst>
+              <a:ext uri="{28A0092B-C50C-407E-A947-70E740481C1C}">
+                <a14:useLocalDpi xmlns:a14="http://schemas.microsoft.com/office/drawing/2010/main" val="0"/>
+              </a:ext>
+            </a:extLst>
+          </a:blip>
+          <a:stretch>
+            <a:fillRect/>
+          </a:stretch>
+        </p:blipFill>
+        <p:spPr>
+          <a:xfrm>
+            <a:off x="6379416" y="2691026"/>
+            <a:ext cx="4614768" cy="3378200"/>
+          </a:xfrm>
+        </p:spPr>
+      </p:pic>
+    </p:spTree>
+    <p:extLst>
+      <p:ext uri="{BB962C8B-B14F-4D97-AF65-F5344CB8AC3E}">
+        <p14:creationId xmlns:p14="http://schemas.microsoft.com/office/powerpoint/2010/main" val="994386339"/>
+      </p:ext>
+    </p:extLst>
+  </p:cSld>
+  <p:clrMapOvr>
+    <a:masterClrMapping/>
+  </p:clrMapOvr>
+</p:sld>
+</file>
+
+<file path=ppt/slides/slide9.xml><?xml version="1.0" encoding="utf-8"?>
+<p:sld xmlns:a="http://schemas.openxmlformats.org/drawingml/2006/main" xmlns:r="http://schemas.openxmlformats.org/officeDocument/2006/relationships" xmlns:p="http://schemas.openxmlformats.org/presentationml/2006/main">
+  <p:cSld>
+    <p:spTree>
+      <p:nvGrpSpPr>
+        <p:cNvPr id="1" name=""/>
+        <p:cNvGrpSpPr/>
+        <p:nvPr/>
+      </p:nvGrpSpPr>
+      <p:grpSpPr>
+        <a:xfrm>
+          <a:off x="0" y="0"/>
+          <a:ext cx="0" cy="0"/>
+          <a:chOff x="0" y="0"/>
+          <a:chExt cx="0" cy="0"/>
+        </a:xfrm>
+      </p:grpSpPr>
+      <p:sp>
+        <p:nvSpPr>
+          <p:cNvPr id="2" name="Titre 1"/>
+          <p:cNvSpPr>
+            <a:spLocks noGrp="1"/>
+          </p:cNvSpPr>
+          <p:nvPr>
+            <p:ph type="title"/>
+          </p:nvPr>
+        </p:nvSpPr>
+        <p:spPr/>
+        <p:txBody>
+          <a:bodyPr/>
+          <a:lstStyle/>
+          <a:p>
+            <a:pPr algn="ctr"/>
+            <a:r>
+              <a:rPr lang="fr-FR" dirty="0"/>
               <a:t>Maquettes </a:t>
             </a:r>
             <a:r>
@@ -5329,107 +5590,6 @@
     <p:extLst>
       <p:ext uri="{BB962C8B-B14F-4D97-AF65-F5344CB8AC3E}">
         <p14:creationId xmlns:p14="http://schemas.microsoft.com/office/powerpoint/2010/main" val="1021278153"/>
-      </p:ext>
-    </p:extLst>
-  </p:cSld>
-  <p:clrMapOvr>
-    <a:masterClrMapping/>
-  </p:clrMapOvr>
-</p:sld>
-</file>
-
-<file path=ppt/slides/slide9.xml><?xml version="1.0" encoding="utf-8"?>
-<p:sld xmlns:a="http://schemas.openxmlformats.org/drawingml/2006/main" xmlns:r="http://schemas.openxmlformats.org/officeDocument/2006/relationships" xmlns:p="http://schemas.openxmlformats.org/presentationml/2006/main">
-  <p:cSld>
-    <p:spTree>
-      <p:nvGrpSpPr>
-        <p:cNvPr id="1" name=""/>
-        <p:cNvGrpSpPr/>
-        <p:nvPr/>
-      </p:nvGrpSpPr>
-      <p:grpSpPr>
-        <a:xfrm>
-          <a:off x="0" y="0"/>
-          <a:ext cx="0" cy="0"/>
-          <a:chOff x="0" y="0"/>
-          <a:chExt cx="0" cy="0"/>
-        </a:xfrm>
-      </p:grpSpPr>
-      <p:sp>
-        <p:nvSpPr>
-          <p:cNvPr id="2" name="Titre 1"/>
-          <p:cNvSpPr>
-            <a:spLocks noGrp="1"/>
-          </p:cNvSpPr>
-          <p:nvPr>
-            <p:ph type="title"/>
-          </p:nvPr>
-        </p:nvSpPr>
-        <p:spPr/>
-        <p:txBody>
-          <a:bodyPr/>
-          <a:lstStyle/>
-          <a:p>
-            <a:pPr algn="ctr"/>
-            <a:r>
-              <a:rPr lang="fr-FR" dirty="0"/>
-              <a:t>Maquettes </a:t>
-            </a:r>
-            <a:r>
-              <a:rPr lang="fr-FR" dirty="0" smtClean="0"/>
-              <a:t>et site</a:t>
-            </a:r>
-            <a:endParaRPr lang="fr-FR" dirty="0"/>
-          </a:p>
-        </p:txBody>
-      </p:sp>
-      <p:pic>
-        <p:nvPicPr>
-          <p:cNvPr id="4098" name="Picture 2" descr="https://raw.githubusercontent.com/congiohj/Mew-Project/master/blabla/Images/Screenshots/Inscription_booker.png"/>
-          <p:cNvPicPr>
-            <a:picLocks noGrp="1" noChangeAspect="1" noChangeArrowheads="1"/>
-          </p:cNvPicPr>
-          <p:nvPr>
-            <p:ph idx="1"/>
-          </p:nvPr>
-        </p:nvPicPr>
-        <p:blipFill>
-          <a:blip r:embed="rId2">
-            <a:extLst>
-              <a:ext uri="{28A0092B-C50C-407E-A947-70E740481C1C}">
-                <a14:useLocalDpi xmlns:a14="http://schemas.microsoft.com/office/drawing/2010/main" val="0"/>
-              </a:ext>
-            </a:extLst>
-          </a:blip>
-          <a:srcRect/>
-          <a:stretch>
-            <a:fillRect/>
-          </a:stretch>
-        </p:blipFill>
-        <p:spPr bwMode="auto">
-          <a:xfrm>
-            <a:off x="1866440" y="1846263"/>
-            <a:ext cx="8519445" cy="4022725"/>
-          </a:xfrm>
-          <a:prstGeom prst="rect">
-            <a:avLst/>
-          </a:prstGeom>
-          <a:noFill/>
-          <a:extLst>
-            <a:ext uri="{909E8E84-426E-40DD-AFC4-6F175D3DCCD1}">
-              <a14:hiddenFill xmlns:a14="http://schemas.microsoft.com/office/drawing/2010/main">
-                <a:solidFill>
-                  <a:srgbClr val="FFFFFF"/>
-                </a:solidFill>
-              </a14:hiddenFill>
-            </a:ext>
-          </a:extLst>
-        </p:spPr>
-      </p:pic>
-    </p:spTree>
-    <p:extLst>
-      <p:ext uri="{BB962C8B-B14F-4D97-AF65-F5344CB8AC3E}">
-        <p14:creationId xmlns:p14="http://schemas.microsoft.com/office/powerpoint/2010/main" val="875030020"/>
       </p:ext>
     </p:extLst>
   </p:cSld>
